--- a/presentation/LA 1600.pptx
+++ b/presentation/LA 1600.pptx
@@ -5,11 +5,13 @@
     <p:sldMasterId id="2147483780" r:id="rId1"/>
   </p:sldMasterIdLst>
   <p:notesMasterIdLst>
-    <p:notesMasterId r:id="rId4"/>
+    <p:notesMasterId r:id="rId6"/>
   </p:notesMasterIdLst>
   <p:sldIdLst>
     <p:sldId id="256" r:id="rId2"/>
     <p:sldId id="257" r:id="rId3"/>
+    <p:sldId id="258" r:id="rId4"/>
+    <p:sldId id="259" r:id="rId5"/>
   </p:sldIdLst>
   <p:sldSz cx="12192000" cy="6858000"/>
   <p:notesSz cx="6858000" cy="9144000"/>
@@ -511,6 +513,96 @@
           <a:lstStyle/>
           <a:p>
             <a:r>
+              <a:rPr lang="de-DE" dirty="0"/>
+              <a:t>Bild: https://cdn.pixabay.com/photo/2015/12/04/14/05/code-1076536_1280.jpg</a:t>
+            </a:r>
+          </a:p>
+          <a:p>
+            <a:endParaRPr lang="de-CH" dirty="0"/>
+          </a:p>
+        </p:txBody>
+      </p:sp>
+      <p:sp>
+        <p:nvSpPr>
+          <p:cNvPr id="4" name="Foliennummernplatzhalter 3"/>
+          <p:cNvSpPr>
+            <a:spLocks noGrp="1"/>
+          </p:cNvSpPr>
+          <p:nvPr>
+            <p:ph type="sldNum" sz="quarter" idx="5"/>
+          </p:nvPr>
+        </p:nvSpPr>
+        <p:spPr/>
+        <p:txBody>
+          <a:bodyPr/>
+          <a:lstStyle/>
+          <a:p>
+            <a:fld id="{B0CE6C93-B8EE-4B16-904C-02DF9760B22D}" type="slidenum">
+              <a:rPr lang="de-CH" smtClean="0"/>
+              <a:t>1</a:t>
+            </a:fld>
+            <a:endParaRPr lang="de-CH"/>
+          </a:p>
+        </p:txBody>
+      </p:sp>
+    </p:spTree>
+    <p:extLst>
+      <p:ext uri="{BB962C8B-B14F-4D97-AF65-F5344CB8AC3E}">
+        <p14:creationId xmlns:p14="http://schemas.microsoft.com/office/powerpoint/2010/main" val="321720464"/>
+      </p:ext>
+    </p:extLst>
+  </p:cSld>
+  <p:clrMapOvr>
+    <a:masterClrMapping/>
+  </p:clrMapOvr>
+</p:notes>
+</file>
+
+<file path=ppt/notesSlides/notesSlide2.xml><?xml version="1.0" encoding="utf-8"?>
+<p:notes xmlns:a="http://schemas.openxmlformats.org/drawingml/2006/main" xmlns:r="http://schemas.openxmlformats.org/officeDocument/2006/relationships" xmlns:p="http://schemas.openxmlformats.org/presentationml/2006/main">
+  <p:cSld>
+    <p:spTree>
+      <p:nvGrpSpPr>
+        <p:cNvPr id="1" name=""/>
+        <p:cNvGrpSpPr/>
+        <p:nvPr/>
+      </p:nvGrpSpPr>
+      <p:grpSpPr>
+        <a:xfrm>
+          <a:off x="0" y="0"/>
+          <a:ext cx="0" cy="0"/>
+          <a:chOff x="0" y="0"/>
+          <a:chExt cx="0" cy="0"/>
+        </a:xfrm>
+      </p:grpSpPr>
+      <p:sp>
+        <p:nvSpPr>
+          <p:cNvPr id="2" name="Folienbildplatzhalter 1"/>
+          <p:cNvSpPr>
+            <a:spLocks noGrp="1" noRot="1" noChangeAspect="1"/>
+          </p:cNvSpPr>
+          <p:nvPr>
+            <p:ph type="sldImg"/>
+          </p:nvPr>
+        </p:nvSpPr>
+        <p:spPr/>
+      </p:sp>
+      <p:sp>
+        <p:nvSpPr>
+          <p:cNvPr id="3" name="Notizenplatzhalter 2"/>
+          <p:cNvSpPr>
+            <a:spLocks noGrp="1"/>
+          </p:cNvSpPr>
+          <p:nvPr>
+            <p:ph type="body" idx="1"/>
+          </p:nvPr>
+        </p:nvSpPr>
+        <p:spPr/>
+        <p:txBody>
+          <a:bodyPr/>
+          <a:lstStyle/>
+          <a:p>
+            <a:r>
               <a:rPr lang="de-CH" dirty="0" err="1"/>
               <a:t>Bild:https</a:t>
             </a:r>
@@ -524,7 +616,7 @@
             </a:r>
             <a:r>
               <a:rPr lang="de-CH" dirty="0"/>
-              <a:t>/2015/10/31/12/00/question-1015308_1280.jpg</a:t>
+              <a:t>/2017/05/13/09/04/question-mark-2309040_1280.jpg</a:t>
             </a:r>
           </a:p>
         </p:txBody>
@@ -556,6 +648,106 @@
     <p:extLst>
       <p:ext uri="{BB962C8B-B14F-4D97-AF65-F5344CB8AC3E}">
         <p14:creationId xmlns:p14="http://schemas.microsoft.com/office/powerpoint/2010/main" val="3929503944"/>
+      </p:ext>
+    </p:extLst>
+  </p:cSld>
+  <p:clrMapOvr>
+    <a:masterClrMapping/>
+  </p:clrMapOvr>
+</p:notes>
+</file>
+
+<file path=ppt/notesSlides/notesSlide3.xml><?xml version="1.0" encoding="utf-8"?>
+<p:notes xmlns:a="http://schemas.openxmlformats.org/drawingml/2006/main" xmlns:r="http://schemas.openxmlformats.org/officeDocument/2006/relationships" xmlns:p="http://schemas.openxmlformats.org/presentationml/2006/main">
+  <p:cSld>
+    <p:spTree>
+      <p:nvGrpSpPr>
+        <p:cNvPr id="1" name=""/>
+        <p:cNvGrpSpPr/>
+        <p:nvPr/>
+      </p:nvGrpSpPr>
+      <p:grpSpPr>
+        <a:xfrm>
+          <a:off x="0" y="0"/>
+          <a:ext cx="0" cy="0"/>
+          <a:chOff x="0" y="0"/>
+          <a:chExt cx="0" cy="0"/>
+        </a:xfrm>
+      </p:grpSpPr>
+      <p:sp>
+        <p:nvSpPr>
+          <p:cNvPr id="2" name="Folienbildplatzhalter 1"/>
+          <p:cNvSpPr>
+            <a:spLocks noGrp="1" noRot="1" noChangeAspect="1"/>
+          </p:cNvSpPr>
+          <p:nvPr>
+            <p:ph type="sldImg"/>
+          </p:nvPr>
+        </p:nvSpPr>
+        <p:spPr/>
+      </p:sp>
+      <p:sp>
+        <p:nvSpPr>
+          <p:cNvPr id="3" name="Notizenplatzhalter 2"/>
+          <p:cNvSpPr>
+            <a:spLocks noGrp="1"/>
+          </p:cNvSpPr>
+          <p:nvPr>
+            <p:ph type="body" idx="1"/>
+          </p:nvPr>
+        </p:nvSpPr>
+        <p:spPr/>
+        <p:txBody>
+          <a:bodyPr/>
+          <a:lstStyle/>
+          <a:p>
+            <a:r>
+              <a:rPr lang="de-DE" dirty="0" err="1"/>
+              <a:t>Bild:https</a:t>
+            </a:r>
+            <a:r>
+              <a:rPr lang="de-DE" dirty="0"/>
+              <a:t>://cdn.pixabay.com/</a:t>
+            </a:r>
+            <a:r>
+              <a:rPr lang="de-DE" dirty="0" err="1"/>
+              <a:t>photo</a:t>
+            </a:r>
+            <a:r>
+              <a:rPr lang="de-DE" dirty="0"/>
+              <a:t>/2018/06/12/15/08/question-mark-3470783_1280.jpg</a:t>
+            </a:r>
+            <a:endParaRPr lang="de-CH" dirty="0"/>
+          </a:p>
+        </p:txBody>
+      </p:sp>
+      <p:sp>
+        <p:nvSpPr>
+          <p:cNvPr id="4" name="Foliennummernplatzhalter 3"/>
+          <p:cNvSpPr>
+            <a:spLocks noGrp="1"/>
+          </p:cNvSpPr>
+          <p:nvPr>
+            <p:ph type="sldNum" sz="quarter" idx="5"/>
+          </p:nvPr>
+        </p:nvSpPr>
+        <p:spPr/>
+        <p:txBody>
+          <a:bodyPr/>
+          <a:lstStyle/>
+          <a:p>
+            <a:fld id="{B0CE6C93-B8EE-4B16-904C-02DF9760B22D}" type="slidenum">
+              <a:rPr lang="de-CH" smtClean="0"/>
+              <a:t>4</a:t>
+            </a:fld>
+            <a:endParaRPr lang="de-CH"/>
+          </a:p>
+        </p:txBody>
+      </p:sp>
+    </p:spTree>
+    <p:extLst>
+      <p:ext uri="{BB962C8B-B14F-4D97-AF65-F5344CB8AC3E}">
+        <p14:creationId xmlns:p14="http://schemas.microsoft.com/office/powerpoint/2010/main" val="511125796"/>
       </p:ext>
     </p:extLst>
   </p:cSld>
@@ -6461,13 +6653,13 @@
     <p:bg>
       <p:bgPr>
         <a:blipFill rotWithShape="1">
-          <a:blip r:embed="rId2">
+          <a:blip r:embed="rId3">
             <a:duotone>
-              <a:schemeClr val="bg2">
+              <a:schemeClr val="bg1">
                 <a:shade val="80000"/>
                 <a:lumMod val="80000"/>
               </a:schemeClr>
-              <a:schemeClr val="bg2">
+              <a:schemeClr val="bg1">
                 <a:tint val="98000"/>
               </a:schemeClr>
             </a:duotone>
@@ -6491,6 +6683,52 @@
           <a:chExt cx="0" cy="0"/>
         </a:xfrm>
       </p:grpSpPr>
+      <p:pic>
+        <p:nvPicPr>
+          <p:cNvPr id="2050" name="Picture 2" descr="Code, Html, Digital, Codierung, Netz">
+            <a:extLst>
+              <a:ext uri="{FF2B5EF4-FFF2-40B4-BE49-F238E27FC236}">
+                <a16:creationId xmlns:a16="http://schemas.microsoft.com/office/drawing/2014/main" id="{E2FBE411-CF3A-ACE1-5496-57253ABEDB41}"/>
+              </a:ext>
+            </a:extLst>
+          </p:cNvPr>
+          <p:cNvPicPr>
+            <a:picLocks noChangeAspect="1" noChangeArrowheads="1"/>
+          </p:cNvPicPr>
+          <p:nvPr/>
+        </p:nvPicPr>
+        <p:blipFill rotWithShape="1">
+          <a:blip r:embed="rId4">
+            <a:alphaModFix amt="40000"/>
+            <a:extLst>
+              <a:ext uri="{28A0092B-C50C-407E-A947-70E740481C1C}">
+                <a14:useLocalDpi xmlns:a14="http://schemas.microsoft.com/office/drawing/2010/main" val="0"/>
+              </a:ext>
+            </a:extLst>
+          </a:blip>
+          <a:srcRect/>
+          <a:stretch/>
+        </p:blipFill>
+        <p:spPr bwMode="auto">
+          <a:xfrm>
+            <a:off x="20" y="10"/>
+            <a:ext cx="12191980" cy="6857990"/>
+          </a:xfrm>
+          <a:prstGeom prst="rect">
+            <a:avLst/>
+          </a:prstGeom>
+          <a:noFill/>
+          <a:extLst>
+            <a:ext uri="{909E8E84-426E-40DD-AFC4-6F175D3DCCD1}">
+              <a14:hiddenFill xmlns:a14="http://schemas.microsoft.com/office/drawing/2010/main">
+                <a:solidFill>
+                  <a:srgbClr val="FFFFFF"/>
+                </a:solidFill>
+              </a14:hiddenFill>
+            </a:ext>
+          </a:extLst>
+        </p:spPr>
+      </p:pic>
       <p:sp>
         <p:nvSpPr>
           <p:cNvPr id="2" name="Titel 1">
@@ -6509,17 +6747,16 @@
         </p:nvSpPr>
         <p:spPr>
           <a:xfrm>
-            <a:off x="5139236" y="1097280"/>
-            <a:ext cx="6043875" cy="4626864"/>
+            <a:off x="1370693" y="1769540"/>
+            <a:ext cx="9440034" cy="1828801"/>
           </a:xfrm>
         </p:spPr>
         <p:txBody>
-          <a:bodyPr anchor="ctr">
+          <a:bodyPr>
             <a:normAutofit/>
           </a:bodyPr>
           <a:lstStyle/>
           <a:p>
-            <a:pPr algn="l"/>
             <a:r>
               <a:rPr lang="de-DE" dirty="0"/>
               <a:t>LA 1600</a:t>
@@ -6546,27 +6783,19 @@
         </p:nvSpPr>
         <p:spPr>
           <a:xfrm>
-            <a:off x="913795" y="1097280"/>
-            <a:ext cx="3256177" cy="4626863"/>
+            <a:off x="1370693" y="3598339"/>
+            <a:ext cx="9440034" cy="1049867"/>
           </a:xfrm>
         </p:spPr>
         <p:txBody>
-          <a:bodyPr anchor="ctr">
+          <a:bodyPr>
             <a:normAutofit/>
           </a:bodyPr>
           <a:lstStyle/>
           <a:p>
-            <a:pPr algn="r"/>
             <a:r>
               <a:rPr lang="de-DE" dirty="0"/>
-              <a:t>Von Koch, Hitz,</a:t>
-            </a:r>
-            <a:r>
-              <a:rPr lang="de-CH" b="0" i="0">
-                <a:effectLst/>
-                <a:latin typeface="-apple-system"/>
-              </a:rPr>
-              <a:t> </a:t>
+              <a:t>Von Her Koch, Herr Hitz und Herr </a:t>
             </a:r>
             <a:r>
               <a:rPr lang="de-CH" dirty="0" err="1"/>
@@ -6802,7 +7031,7 @@
               <a:t>Wie </a:t>
             </a:r>
             <a:r>
-              <a:rPr lang="en-US" sz="5400"/>
+              <a:rPr lang="en-US" sz="5400" dirty="0" err="1"/>
               <a:t>platziert</a:t>
             </a:r>
             <a:r>
@@ -6810,7 +7039,7 @@
               <a:t> man in </a:t>
             </a:r>
             <a:r>
-              <a:rPr lang="en-US" sz="5400"/>
+              <a:rPr lang="en-US" sz="5400" dirty="0" err="1"/>
               <a:t>ein</a:t>
             </a:r>
             <a:r>
@@ -6818,20 +7047,19 @@
               <a:t> Bild in </a:t>
             </a:r>
             <a:r>
-              <a:rPr lang="en-US" sz="5400"/>
+              <a:rPr lang="en-US" sz="5400" dirty="0" err="1"/>
               <a:t>einem</a:t>
             </a:r>
             <a:r>
               <a:rPr lang="en-US" sz="5400" dirty="0"/>
               <a:t> div.</a:t>
             </a:r>
-            <a:endParaRPr lang="en-US" sz="5400"/>
-          </a:p>
-        </p:txBody>
-      </p:sp>
-      <p:sp>
-        <p:nvSpPr>
-          <p:cNvPr id="8" name="Rectangle 7">
+          </a:p>
+        </p:txBody>
+      </p:sp>
+      <p:sp>
+        <p:nvSpPr>
+          <p:cNvPr id="1031" name="Rectangle 1030">
             <a:extLst>
               <a:ext uri="{FF2B5EF4-FFF2-40B4-BE49-F238E27FC236}">
                 <a16:creationId xmlns:a16="http://schemas.microsoft.com/office/drawing/2014/main" id="{52E8B583-5E75-4797-8F8F-0314FEC1F40C}"/>
@@ -6898,24 +7126,30 @@
       </p:sp>
       <p:pic>
         <p:nvPicPr>
-          <p:cNvPr id="3" name="Grafik 2">
+          <p:cNvPr id="1026" name="Picture 2" descr="Fragezeichen, Symbol, Charakter">
             <a:extLst>
               <a:ext uri="{FF2B5EF4-FFF2-40B4-BE49-F238E27FC236}">
-                <a16:creationId xmlns:a16="http://schemas.microsoft.com/office/drawing/2014/main" id="{AE3679CF-72FF-0092-FECB-CEC0E635A219}"/>
+                <a16:creationId xmlns:a16="http://schemas.microsoft.com/office/drawing/2014/main" id="{48335DA3-4DAD-4FA8-EAFE-D872B8309A17}"/>
               </a:ext>
             </a:extLst>
           </p:cNvPr>
           <p:cNvPicPr>
-            <a:picLocks noChangeAspect="1"/>
+            <a:picLocks noChangeAspect="1" noChangeArrowheads="1"/>
           </p:cNvPicPr>
           <p:nvPr/>
         </p:nvPicPr>
         <p:blipFill rotWithShape="1">
-          <a:blip r:embed="rId4"/>
-          <a:srcRect l="26082" r="-3" b="-3"/>
+          <a:blip r:embed="rId4">
+            <a:extLst>
+              <a:ext uri="{28A0092B-C50C-407E-A947-70E740481C1C}">
+                <a14:useLocalDpi xmlns:a14="http://schemas.microsoft.com/office/drawing/2010/main" val="0"/>
+              </a:ext>
+            </a:extLst>
+          </a:blip>
+          <a:srcRect l="23003" r="3076" b="-3"/>
           <a:stretch/>
         </p:blipFill>
-        <p:spPr>
+        <p:spPr bwMode="auto">
           <a:xfrm>
             <a:off x="1380490" y="1438360"/>
             <a:ext cx="2835022" cy="3835314"/>
@@ -6923,6 +7157,16 @@
           <a:prstGeom prst="rect">
             <a:avLst/>
           </a:prstGeom>
+          <a:noFill/>
+          <a:extLst>
+            <a:ext uri="{909E8E84-426E-40DD-AFC4-6F175D3DCCD1}">
+              <a14:hiddenFill xmlns:a14="http://schemas.microsoft.com/office/drawing/2010/main">
+                <a:solidFill>
+                  <a:srgbClr val="FFFFFF"/>
+                </a:solidFill>
+              </a14:hiddenFill>
+            </a:ext>
+          </a:extLst>
         </p:spPr>
       </p:pic>
     </p:spTree>
@@ -6935,98 +7179,716 @@
   <p:clrMapOvr>
     <a:masterClrMapping/>
   </p:clrMapOvr>
-  <p:timing>
-    <p:tnLst>
-      <p:par>
-        <p:cTn id="1" dur="indefinite" restart="never" nodeType="tmRoot">
-          <p:childTnLst>
-            <p:seq concurrent="1" nextAc="seek">
-              <p:cTn id="2" dur="indefinite" nodeType="mainSeq">
-                <p:childTnLst>
-                  <p:par>
-                    <p:cTn id="3" fill="hold">
-                      <p:stCondLst>
-                        <p:cond delay="indefinite"/>
-                        <p:cond evt="onBegin" delay="0">
-                          <p:tn val="2"/>
-                        </p:cond>
-                      </p:stCondLst>
-                      <p:childTnLst>
-                        <p:par>
-                          <p:cTn id="4" fill="hold">
-                            <p:stCondLst>
-                              <p:cond delay="0"/>
-                            </p:stCondLst>
-                            <p:childTnLst>
-                              <p:par>
-                                <p:cTn id="5" presetID="10" presetClass="entr" presetSubtype="0" fill="hold" grpId="0" nodeType="withEffect">
-                                  <p:stCondLst>
-                                    <p:cond delay="500"/>
-                                  </p:stCondLst>
-                                  <p:iterate type="wd">
-                                    <p:tmPct val="15000"/>
-                                  </p:iterate>
-                                  <p:childTnLst>
-                                    <p:set>
-                                      <p:cBhvr>
-                                        <p:cTn id="6" dur="1" fill="hold">
-                                          <p:stCondLst>
-                                            <p:cond delay="0"/>
-                                          </p:stCondLst>
-                                        </p:cTn>
-                                        <p:tgtEl>
-                                          <p:spTgt spid="2"/>
-                                        </p:tgtEl>
-                                        <p:attrNameLst>
-                                          <p:attrName>style.visibility</p:attrName>
-                                        </p:attrNameLst>
-                                      </p:cBhvr>
-                                      <p:to>
-                                        <p:strVal val="visible"/>
-                                      </p:to>
-                                    </p:set>
-                                    <p:animEffect transition="in" filter="fade">
-                                      <p:cBhvr>
-                                        <p:cTn id="7" dur="1000"/>
-                                        <p:tgtEl>
-                                          <p:spTgt spid="2"/>
-                                        </p:tgtEl>
-                                      </p:cBhvr>
-                                    </p:animEffect>
-                                  </p:childTnLst>
-                                </p:cTn>
-                              </p:par>
-                            </p:childTnLst>
-                          </p:cTn>
-                        </p:par>
-                      </p:childTnLst>
-                    </p:cTn>
-                  </p:par>
-                </p:childTnLst>
-              </p:cTn>
-              <p:prevCondLst>
-                <p:cond evt="onPrev" delay="0">
-                  <p:tgtEl>
-                    <p:sldTgt/>
-                  </p:tgtEl>
-                </p:cond>
-              </p:prevCondLst>
-              <p:nextCondLst>
-                <p:cond evt="onNext" delay="0">
-                  <p:tgtEl>
-                    <p:sldTgt/>
-                  </p:tgtEl>
-                </p:cond>
-              </p:nextCondLst>
-            </p:seq>
-          </p:childTnLst>
-        </p:cTn>
-      </p:par>
-    </p:tnLst>
-    <p:bldLst>
-      <p:bldP spid="2" grpId="0"/>
-    </p:bldLst>
-  </p:timing>
+</p:sld>
+</file>
+
+<file path=ppt/slides/slide3.xml><?xml version="1.0" encoding="utf-8"?>
+<p:sld xmlns:a="http://schemas.openxmlformats.org/drawingml/2006/main" xmlns:r="http://schemas.openxmlformats.org/officeDocument/2006/relationships" xmlns:p="http://schemas.openxmlformats.org/presentationml/2006/main">
+  <p:cSld>
+    <p:spTree>
+      <p:nvGrpSpPr>
+        <p:cNvPr id="1" name=""/>
+        <p:cNvGrpSpPr/>
+        <p:nvPr/>
+      </p:nvGrpSpPr>
+      <p:grpSpPr>
+        <a:xfrm>
+          <a:off x="0" y="0"/>
+          <a:ext cx="0" cy="0"/>
+          <a:chOff x="0" y="0"/>
+          <a:chExt cx="0" cy="0"/>
+        </a:xfrm>
+      </p:grpSpPr>
+      <p:sp>
+        <p:nvSpPr>
+          <p:cNvPr id="2" name="Titel 1">
+            <a:extLst>
+              <a:ext uri="{FF2B5EF4-FFF2-40B4-BE49-F238E27FC236}">
+                <a16:creationId xmlns:a16="http://schemas.microsoft.com/office/drawing/2014/main" id="{EF072A43-FDE0-C558-AE8B-90C0CB038254}"/>
+              </a:ext>
+            </a:extLst>
+          </p:cNvPr>
+          <p:cNvSpPr>
+            <a:spLocks noGrp="1"/>
+          </p:cNvSpPr>
+          <p:nvPr>
+            <p:ph type="title"/>
+          </p:nvPr>
+        </p:nvSpPr>
+        <p:spPr/>
+        <p:txBody>
+          <a:bodyPr/>
+          <a:lstStyle/>
+          <a:p>
+            <a:r>
+              <a:rPr lang="de-DE" dirty="0"/>
+              <a:t>Verwendete Klassen</a:t>
+            </a:r>
+            <a:endParaRPr lang="de-CH" dirty="0"/>
+          </a:p>
+        </p:txBody>
+      </p:sp>
+      <p:sp>
+        <p:nvSpPr>
+          <p:cNvPr id="3" name="Inhaltsplatzhalter 2">
+            <a:extLst>
+              <a:ext uri="{FF2B5EF4-FFF2-40B4-BE49-F238E27FC236}">
+                <a16:creationId xmlns:a16="http://schemas.microsoft.com/office/drawing/2014/main" id="{7D95F635-0BE3-C11B-C2E0-A94C0861FBAB}"/>
+              </a:ext>
+            </a:extLst>
+          </p:cNvPr>
+          <p:cNvSpPr>
+            <a:spLocks noGrp="1"/>
+          </p:cNvSpPr>
+          <p:nvPr>
+            <p:ph idx="1"/>
+          </p:nvPr>
+        </p:nvSpPr>
+        <p:spPr>
+          <a:xfrm>
+            <a:off x="1461107" y="3765510"/>
+            <a:ext cx="4170071" cy="970450"/>
+          </a:xfrm>
+        </p:spPr>
+        <p:txBody>
+          <a:bodyPr/>
+          <a:lstStyle/>
+          <a:p>
+            <a:pPr marL="36900" indent="0">
+              <a:buNone/>
+            </a:pPr>
+            <a:r>
+              <a:rPr lang="de-DE" dirty="0"/>
+              <a:t>Class von dem Bild</a:t>
+            </a:r>
+            <a:endParaRPr lang="de-CH" dirty="0"/>
+          </a:p>
+        </p:txBody>
+      </p:sp>
+      <p:pic>
+        <p:nvPicPr>
+          <p:cNvPr id="5" name="Grafik 4">
+            <a:extLst>
+              <a:ext uri="{FF2B5EF4-FFF2-40B4-BE49-F238E27FC236}">
+                <a16:creationId xmlns:a16="http://schemas.microsoft.com/office/drawing/2014/main" id="{31B9A5B3-E481-AE82-7CA5-6143F9E88BD4}"/>
+              </a:ext>
+            </a:extLst>
+          </p:cNvPr>
+          <p:cNvPicPr>
+            <a:picLocks noChangeAspect="1"/>
+          </p:cNvPicPr>
+          <p:nvPr/>
+        </p:nvPicPr>
+        <p:blipFill>
+          <a:blip r:embed="rId2"/>
+          <a:stretch>
+            <a:fillRect/>
+          </a:stretch>
+        </p:blipFill>
+        <p:spPr>
+          <a:xfrm>
+            <a:off x="6958800" y="2282464"/>
+            <a:ext cx="4496190" cy="247671"/>
+          </a:xfrm>
+          <a:prstGeom prst="rect">
+            <a:avLst/>
+          </a:prstGeom>
+        </p:spPr>
+      </p:pic>
+      <p:pic>
+        <p:nvPicPr>
+          <p:cNvPr id="7" name="Grafik 6">
+            <a:extLst>
+              <a:ext uri="{FF2B5EF4-FFF2-40B4-BE49-F238E27FC236}">
+                <a16:creationId xmlns:a16="http://schemas.microsoft.com/office/drawing/2014/main" id="{79188887-FCAF-F889-9229-B43249E8687A}"/>
+              </a:ext>
+            </a:extLst>
+          </p:cNvPr>
+          <p:cNvPicPr>
+            <a:picLocks noChangeAspect="1"/>
+          </p:cNvPicPr>
+          <p:nvPr/>
+        </p:nvPicPr>
+        <p:blipFill>
+          <a:blip r:embed="rId3"/>
+          <a:stretch>
+            <a:fillRect/>
+          </a:stretch>
+        </p:blipFill>
+        <p:spPr>
+          <a:xfrm>
+            <a:off x="7668663" y="3927849"/>
+            <a:ext cx="2000423" cy="217189"/>
+          </a:xfrm>
+          <a:prstGeom prst="rect">
+            <a:avLst/>
+          </a:prstGeom>
+        </p:spPr>
+      </p:pic>
+      <p:sp>
+        <p:nvSpPr>
+          <p:cNvPr id="8" name="Inhaltsplatzhalter 2">
+            <a:extLst>
+              <a:ext uri="{FF2B5EF4-FFF2-40B4-BE49-F238E27FC236}">
+                <a16:creationId xmlns:a16="http://schemas.microsoft.com/office/drawing/2014/main" id="{62EF5652-85F1-1DED-8768-1A58187FD721}"/>
+              </a:ext>
+            </a:extLst>
+          </p:cNvPr>
+          <p:cNvSpPr txBox="1">
+            <a:spLocks/>
+          </p:cNvSpPr>
+          <p:nvPr/>
+        </p:nvSpPr>
+        <p:spPr>
+          <a:xfrm>
+            <a:off x="1461106" y="2122040"/>
+            <a:ext cx="4170071" cy="970450"/>
+          </a:xfrm>
+          <a:prstGeom prst="rect">
+            <a:avLst/>
+          </a:prstGeom>
+          <a:effectLst>
+            <a:outerShdw blurRad="25400" dir="17880000">
+              <a:srgbClr val="000000">
+                <a:alpha val="46000"/>
+              </a:srgbClr>
+            </a:outerShdw>
+          </a:effectLst>
+        </p:spPr>
+        <p:txBody>
+          <a:bodyPr vert="horz" lIns="91440" tIns="45720" rIns="91440" bIns="45720" rtlCol="0" anchor="t">
+            <a:normAutofit/>
+          </a:bodyPr>
+          <a:lstStyle>
+            <a:lvl1pPr marL="342900" indent="-306000" algn="l" defTabSz="457200" rtl="0" eaLnBrk="1" latinLnBrk="0" hangingPunct="1">
+              <a:spcBef>
+                <a:spcPct val="20000"/>
+              </a:spcBef>
+              <a:spcAft>
+                <a:spcPts val="600"/>
+              </a:spcAft>
+              <a:buClr>
+                <a:schemeClr val="tx2"/>
+              </a:buClr>
+              <a:buSzPct val="70000"/>
+              <a:buFont typeface="Wingdings 2" charset="2"/>
+              <a:buChar char=""/>
+              <a:defRPr sz="2000" kern="1200">
+                <a:ln>
+                  <a:solidFill>
+                    <a:schemeClr val="bg1">
+                      <a:lumMod val="75000"/>
+                      <a:lumOff val="25000"/>
+                      <a:alpha val="10000"/>
+                    </a:schemeClr>
+                  </a:solidFill>
+                </a:ln>
+                <a:solidFill>
+                  <a:schemeClr val="tx2"/>
+                </a:solidFill>
+                <a:effectLst>
+                  <a:outerShdw blurRad="9525" dist="25400" dir="14640000" algn="tl" rotWithShape="0">
+                    <a:schemeClr val="bg1">
+                      <a:alpha val="30000"/>
+                    </a:schemeClr>
+                  </a:outerShdw>
+                </a:effectLst>
+                <a:latin typeface="+mn-lt"/>
+                <a:ea typeface="+mn-ea"/>
+                <a:cs typeface="+mn-cs"/>
+              </a:defRPr>
+            </a:lvl1pPr>
+            <a:lvl2pPr marL="720000" indent="-270000" algn="l" defTabSz="457200" rtl="0" eaLnBrk="1" latinLnBrk="0" hangingPunct="1">
+              <a:spcBef>
+                <a:spcPct val="20000"/>
+              </a:spcBef>
+              <a:spcAft>
+                <a:spcPts val="600"/>
+              </a:spcAft>
+              <a:buClr>
+                <a:schemeClr val="tx2"/>
+              </a:buClr>
+              <a:buSzPct val="70000"/>
+              <a:buFont typeface="Wingdings 2" charset="2"/>
+              <a:buChar char=""/>
+              <a:defRPr sz="1800" kern="1200">
+                <a:ln>
+                  <a:solidFill>
+                    <a:schemeClr val="bg1">
+                      <a:lumMod val="75000"/>
+                      <a:lumOff val="25000"/>
+                      <a:alpha val="10000"/>
+                    </a:schemeClr>
+                  </a:solidFill>
+                </a:ln>
+                <a:solidFill>
+                  <a:schemeClr val="tx2"/>
+                </a:solidFill>
+                <a:effectLst>
+                  <a:outerShdw blurRad="9525" dist="25400" dir="14640000" algn="tl" rotWithShape="0">
+                    <a:schemeClr val="bg1">
+                      <a:alpha val="30000"/>
+                    </a:schemeClr>
+                  </a:outerShdw>
+                </a:effectLst>
+                <a:latin typeface="+mn-lt"/>
+                <a:ea typeface="+mn-ea"/>
+                <a:cs typeface="+mn-cs"/>
+              </a:defRPr>
+            </a:lvl2pPr>
+            <a:lvl3pPr marL="1026000" indent="-216000" algn="l" defTabSz="457200" rtl="0" eaLnBrk="1" latinLnBrk="0" hangingPunct="1">
+              <a:spcBef>
+                <a:spcPct val="20000"/>
+              </a:spcBef>
+              <a:spcAft>
+                <a:spcPts val="600"/>
+              </a:spcAft>
+              <a:buClr>
+                <a:schemeClr val="tx2"/>
+              </a:buClr>
+              <a:buSzPct val="70000"/>
+              <a:buFont typeface="Wingdings 2" charset="2"/>
+              <a:buChar char=""/>
+              <a:defRPr sz="1600" kern="1200">
+                <a:ln>
+                  <a:solidFill>
+                    <a:schemeClr val="bg1">
+                      <a:lumMod val="75000"/>
+                      <a:lumOff val="25000"/>
+                      <a:alpha val="10000"/>
+                    </a:schemeClr>
+                  </a:solidFill>
+                </a:ln>
+                <a:solidFill>
+                  <a:schemeClr val="tx2"/>
+                </a:solidFill>
+                <a:effectLst>
+                  <a:outerShdw blurRad="9525" dist="25400" dir="14640000" algn="tl" rotWithShape="0">
+                    <a:schemeClr val="bg1">
+                      <a:alpha val="30000"/>
+                    </a:schemeClr>
+                  </a:outerShdw>
+                </a:effectLst>
+                <a:latin typeface="+mn-lt"/>
+                <a:ea typeface="+mn-ea"/>
+                <a:cs typeface="+mn-cs"/>
+              </a:defRPr>
+            </a:lvl3pPr>
+            <a:lvl4pPr marL="1386000" indent="-216000" algn="l" defTabSz="457200" rtl="0" eaLnBrk="1" latinLnBrk="0" hangingPunct="1">
+              <a:spcBef>
+                <a:spcPct val="20000"/>
+              </a:spcBef>
+              <a:spcAft>
+                <a:spcPts val="600"/>
+              </a:spcAft>
+              <a:buClr>
+                <a:schemeClr val="tx2"/>
+              </a:buClr>
+              <a:buSzPct val="70000"/>
+              <a:buFont typeface="Wingdings 2" charset="2"/>
+              <a:buChar char=""/>
+              <a:defRPr sz="1400" kern="1200">
+                <a:ln>
+                  <a:solidFill>
+                    <a:schemeClr val="bg1">
+                      <a:lumMod val="75000"/>
+                      <a:lumOff val="25000"/>
+                      <a:alpha val="10000"/>
+                    </a:schemeClr>
+                  </a:solidFill>
+                </a:ln>
+                <a:solidFill>
+                  <a:schemeClr val="tx2"/>
+                </a:solidFill>
+                <a:effectLst>
+                  <a:outerShdw blurRad="9525" dist="25400" dir="14640000" algn="tl" rotWithShape="0">
+                    <a:schemeClr val="bg1">
+                      <a:alpha val="30000"/>
+                    </a:schemeClr>
+                  </a:outerShdw>
+                </a:effectLst>
+                <a:latin typeface="+mn-lt"/>
+                <a:ea typeface="+mn-ea"/>
+                <a:cs typeface="+mn-cs"/>
+              </a:defRPr>
+            </a:lvl4pPr>
+            <a:lvl5pPr marL="1674000" indent="-216000" algn="l" defTabSz="457200" rtl="0" eaLnBrk="1" latinLnBrk="0" hangingPunct="1">
+              <a:spcBef>
+                <a:spcPct val="20000"/>
+              </a:spcBef>
+              <a:spcAft>
+                <a:spcPts val="600"/>
+              </a:spcAft>
+              <a:buClr>
+                <a:schemeClr val="tx2"/>
+              </a:buClr>
+              <a:buSzPct val="70000"/>
+              <a:buFont typeface="Wingdings 2" charset="2"/>
+              <a:buChar char=""/>
+              <a:defRPr sz="1400" kern="1200">
+                <a:ln>
+                  <a:solidFill>
+                    <a:schemeClr val="bg1">
+                      <a:lumMod val="75000"/>
+                      <a:lumOff val="25000"/>
+                      <a:alpha val="10000"/>
+                    </a:schemeClr>
+                  </a:solidFill>
+                </a:ln>
+                <a:solidFill>
+                  <a:schemeClr val="tx2"/>
+                </a:solidFill>
+                <a:effectLst>
+                  <a:outerShdw blurRad="9525" dist="25400" dir="14640000" algn="tl" rotWithShape="0">
+                    <a:schemeClr val="bg1">
+                      <a:alpha val="30000"/>
+                    </a:schemeClr>
+                  </a:outerShdw>
+                </a:effectLst>
+                <a:latin typeface="+mn-lt"/>
+                <a:ea typeface="+mn-ea"/>
+                <a:cs typeface="+mn-cs"/>
+              </a:defRPr>
+            </a:lvl5pPr>
+            <a:lvl6pPr marL="2014600" indent="-228600" algn="l" defTabSz="457200" rtl="0" eaLnBrk="1" latinLnBrk="0" hangingPunct="1">
+              <a:spcBef>
+                <a:spcPct val="20000"/>
+              </a:spcBef>
+              <a:spcAft>
+                <a:spcPts val="600"/>
+              </a:spcAft>
+              <a:buClr>
+                <a:schemeClr val="tx2"/>
+              </a:buClr>
+              <a:buSzPct val="70000"/>
+              <a:buFont typeface="Wingdings 2" charset="2"/>
+              <a:buChar char=""/>
+              <a:defRPr sz="1400" kern="1200">
+                <a:ln>
+                  <a:solidFill>
+                    <a:schemeClr val="bg1">
+                      <a:lumMod val="75000"/>
+                      <a:lumOff val="25000"/>
+                      <a:alpha val="10000"/>
+                    </a:schemeClr>
+                  </a:solidFill>
+                </a:ln>
+                <a:solidFill>
+                  <a:schemeClr val="tx2"/>
+                </a:solidFill>
+                <a:effectLst>
+                  <a:outerShdw blurRad="9525" dist="25400" dir="14640000" algn="tl" rotWithShape="0">
+                    <a:schemeClr val="bg1">
+                      <a:alpha val="30000"/>
+                    </a:schemeClr>
+                  </a:outerShdw>
+                </a:effectLst>
+                <a:latin typeface="+mn-lt"/>
+                <a:ea typeface="+mn-ea"/>
+                <a:cs typeface="+mn-cs"/>
+              </a:defRPr>
+            </a:lvl6pPr>
+            <a:lvl7pPr marL="2401800" indent="-228600" algn="l" defTabSz="457200" rtl="0" eaLnBrk="1" latinLnBrk="0" hangingPunct="1">
+              <a:spcBef>
+                <a:spcPct val="20000"/>
+              </a:spcBef>
+              <a:spcAft>
+                <a:spcPts val="600"/>
+              </a:spcAft>
+              <a:buClr>
+                <a:schemeClr val="tx2"/>
+              </a:buClr>
+              <a:buSzPct val="70000"/>
+              <a:buFont typeface="Wingdings 2" charset="2"/>
+              <a:buChar char=""/>
+              <a:defRPr sz="1400" kern="1200">
+                <a:ln>
+                  <a:solidFill>
+                    <a:schemeClr val="bg1">
+                      <a:lumMod val="75000"/>
+                      <a:lumOff val="25000"/>
+                      <a:alpha val="10000"/>
+                    </a:schemeClr>
+                  </a:solidFill>
+                </a:ln>
+                <a:solidFill>
+                  <a:schemeClr val="tx2"/>
+                </a:solidFill>
+                <a:effectLst>
+                  <a:outerShdw blurRad="9525" dist="25400" dir="14640000" algn="tl" rotWithShape="0">
+                    <a:schemeClr val="bg1">
+                      <a:alpha val="30000"/>
+                    </a:schemeClr>
+                  </a:outerShdw>
+                </a:effectLst>
+                <a:latin typeface="+mn-lt"/>
+                <a:ea typeface="+mn-ea"/>
+                <a:cs typeface="+mn-cs"/>
+              </a:defRPr>
+            </a:lvl7pPr>
+            <a:lvl8pPr marL="2789000" indent="-228600" algn="l" defTabSz="457200" rtl="0" eaLnBrk="1" latinLnBrk="0" hangingPunct="1">
+              <a:spcBef>
+                <a:spcPct val="20000"/>
+              </a:spcBef>
+              <a:spcAft>
+                <a:spcPts val="600"/>
+              </a:spcAft>
+              <a:buClr>
+                <a:schemeClr val="tx2"/>
+              </a:buClr>
+              <a:buSzPct val="70000"/>
+              <a:buFont typeface="Wingdings 2" charset="2"/>
+              <a:buChar char=""/>
+              <a:defRPr sz="1400" kern="1200">
+                <a:ln>
+                  <a:solidFill>
+                    <a:schemeClr val="bg1">
+                      <a:lumMod val="75000"/>
+                      <a:lumOff val="25000"/>
+                      <a:alpha val="10000"/>
+                    </a:schemeClr>
+                  </a:solidFill>
+                </a:ln>
+                <a:solidFill>
+                  <a:schemeClr val="tx2"/>
+                </a:solidFill>
+                <a:effectLst>
+                  <a:outerShdw blurRad="9525" dist="25400" dir="14640000" algn="tl" rotWithShape="0">
+                    <a:schemeClr val="bg1">
+                      <a:alpha val="30000"/>
+                    </a:schemeClr>
+                  </a:outerShdw>
+                </a:effectLst>
+                <a:latin typeface="+mn-lt"/>
+                <a:ea typeface="+mn-ea"/>
+                <a:cs typeface="+mn-cs"/>
+              </a:defRPr>
+            </a:lvl8pPr>
+            <a:lvl9pPr marL="3106200" indent="-228600" algn="l" defTabSz="457200" rtl="0" eaLnBrk="1" latinLnBrk="0" hangingPunct="1">
+              <a:spcBef>
+                <a:spcPct val="20000"/>
+              </a:spcBef>
+              <a:spcAft>
+                <a:spcPts val="600"/>
+              </a:spcAft>
+              <a:buClr>
+                <a:schemeClr val="tx2"/>
+              </a:buClr>
+              <a:buSzPct val="70000"/>
+              <a:buFont typeface="Wingdings 2" charset="2"/>
+              <a:buChar char=""/>
+              <a:defRPr sz="1400" kern="1200">
+                <a:ln>
+                  <a:solidFill>
+                    <a:schemeClr val="bg1">
+                      <a:lumMod val="75000"/>
+                      <a:lumOff val="25000"/>
+                      <a:alpha val="10000"/>
+                    </a:schemeClr>
+                  </a:solidFill>
+                </a:ln>
+                <a:solidFill>
+                  <a:schemeClr val="tx2"/>
+                </a:solidFill>
+                <a:effectLst>
+                  <a:outerShdw blurRad="9525" dist="25400" dir="14640000" algn="tl" rotWithShape="0">
+                    <a:schemeClr val="bg1">
+                      <a:alpha val="30000"/>
+                    </a:schemeClr>
+                  </a:outerShdw>
+                </a:effectLst>
+                <a:latin typeface="+mn-lt"/>
+                <a:ea typeface="+mn-ea"/>
+                <a:cs typeface="+mn-cs"/>
+              </a:defRPr>
+            </a:lvl9pPr>
+          </a:lstStyle>
+          <a:p>
+            <a:pPr marL="36900" indent="0">
+              <a:buFont typeface="Wingdings 2" charset="2"/>
+              <a:buNone/>
+            </a:pPr>
+            <a:r>
+              <a:rPr lang="de-DE" dirty="0"/>
+              <a:t>Class von dem Text</a:t>
+            </a:r>
+            <a:endParaRPr lang="de-CH" dirty="0"/>
+          </a:p>
+        </p:txBody>
+      </p:sp>
+    </p:spTree>
+    <p:extLst>
+      <p:ext uri="{BB962C8B-B14F-4D97-AF65-F5344CB8AC3E}">
+        <p14:creationId xmlns:p14="http://schemas.microsoft.com/office/powerpoint/2010/main" val="1616316515"/>
+      </p:ext>
+    </p:extLst>
+  </p:cSld>
+  <p:clrMapOvr>
+    <a:masterClrMapping/>
+  </p:clrMapOvr>
+</p:sld>
+</file>
+
+<file path=ppt/slides/slide4.xml><?xml version="1.0" encoding="utf-8"?>
+<p:sld xmlns:a="http://schemas.openxmlformats.org/drawingml/2006/main" xmlns:r="http://schemas.openxmlformats.org/officeDocument/2006/relationships" xmlns:p="http://schemas.openxmlformats.org/presentationml/2006/main">
+  <p:cSld>
+    <p:bg>
+      <p:bgPr>
+        <a:blipFill rotWithShape="1">
+          <a:blip r:embed="rId3">
+            <a:duotone>
+              <a:schemeClr val="bg1">
+                <a:shade val="80000"/>
+                <a:lumMod val="80000"/>
+              </a:schemeClr>
+              <a:schemeClr val="bg1">
+                <a:tint val="98000"/>
+              </a:schemeClr>
+            </a:duotone>
+          </a:blip>
+          <a:stretch/>
+        </a:blipFill>
+        <a:effectLst/>
+      </p:bgPr>
+    </p:bg>
+    <p:spTree>
+      <p:nvGrpSpPr>
+        <p:cNvPr id="1" name=""/>
+        <p:cNvGrpSpPr/>
+        <p:nvPr/>
+      </p:nvGrpSpPr>
+      <p:grpSpPr>
+        <a:xfrm>
+          <a:off x="0" y="0"/>
+          <a:ext cx="0" cy="0"/>
+          <a:chOff x="0" y="0"/>
+          <a:chExt cx="0" cy="0"/>
+        </a:xfrm>
+      </p:grpSpPr>
+      <p:pic>
+        <p:nvPicPr>
+          <p:cNvPr id="4" name="Grafik 3" descr="Ein Bild, das Kunst enthält.&#10;&#10;Automatisch generierte Beschreibung">
+            <a:extLst>
+              <a:ext uri="{FF2B5EF4-FFF2-40B4-BE49-F238E27FC236}">
+                <a16:creationId xmlns:a16="http://schemas.microsoft.com/office/drawing/2014/main" id="{FCC0D2CF-FE03-6779-B43C-7451364A34AF}"/>
+              </a:ext>
+            </a:extLst>
+          </p:cNvPr>
+          <p:cNvPicPr>
+            <a:picLocks noChangeAspect="1"/>
+          </p:cNvPicPr>
+          <p:nvPr/>
+        </p:nvPicPr>
+        <p:blipFill rotWithShape="1">
+          <a:blip r:embed="rId4">
+            <a:alphaModFix amt="40000"/>
+          </a:blip>
+          <a:srcRect/>
+          <a:stretch/>
+        </p:blipFill>
+        <p:spPr>
+          <a:xfrm>
+            <a:off x="0" y="0"/>
+            <a:ext cx="12192000" cy="6858000"/>
+          </a:xfrm>
+          <a:prstGeom prst="rect">
+            <a:avLst/>
+          </a:prstGeom>
+        </p:spPr>
+      </p:pic>
+      <p:sp>
+        <p:nvSpPr>
+          <p:cNvPr id="2" name="Titel 1">
+            <a:extLst>
+              <a:ext uri="{FF2B5EF4-FFF2-40B4-BE49-F238E27FC236}">
+                <a16:creationId xmlns:a16="http://schemas.microsoft.com/office/drawing/2014/main" id="{7B750DF1-C7BC-C468-CDE0-D86731E8386E}"/>
+              </a:ext>
+            </a:extLst>
+          </p:cNvPr>
+          <p:cNvSpPr>
+            <a:spLocks noGrp="1"/>
+          </p:cNvSpPr>
+          <p:nvPr>
+            <p:ph type="title"/>
+          </p:nvPr>
+        </p:nvSpPr>
+        <p:spPr>
+          <a:xfrm>
+            <a:off x="1370693" y="1769540"/>
+            <a:ext cx="9440034" cy="1828801"/>
+          </a:xfrm>
+        </p:spPr>
+        <p:txBody>
+          <a:bodyPr vert="horz" lIns="91440" tIns="45720" rIns="91440" bIns="45720" rtlCol="0" anchor="b">
+            <a:normAutofit/>
+          </a:bodyPr>
+          <a:lstStyle/>
+          <a:p>
+            <a:pPr>
+              <a:lnSpc>
+                <a:spcPct val="90000"/>
+              </a:lnSpc>
+            </a:pPr>
+            <a:r>
+              <a:rPr lang="en-US" sz="4200" dirty="0"/>
+              <a:t>Vielen Dank für </a:t>
+            </a:r>
+            <a:r>
+              <a:rPr lang="en-US" sz="4200" dirty="0" err="1"/>
+              <a:t>ihre</a:t>
+            </a:r>
+            <a:r>
+              <a:rPr lang="en-US" sz="4200" dirty="0"/>
+              <a:t> </a:t>
+            </a:r>
+            <a:r>
+              <a:rPr lang="en-US" sz="4200" dirty="0" err="1"/>
+              <a:t>Aufmerksamkeit</a:t>
+            </a:r>
+            <a:r>
+              <a:rPr lang="en-US" sz="4200" dirty="0"/>
+              <a:t>.</a:t>
+            </a:r>
+            <a:br>
+              <a:rPr lang="en-US" sz="4200" dirty="0"/>
+            </a:br>
+            <a:r>
+              <a:rPr lang="en-US" sz="4200" dirty="0" err="1"/>
+              <a:t>Gibt</a:t>
+            </a:r>
+            <a:r>
+              <a:rPr lang="en-US" sz="4200" dirty="0"/>
+              <a:t> es </a:t>
+            </a:r>
+            <a:r>
+              <a:rPr lang="en-US" sz="4200" dirty="0" err="1"/>
+              <a:t>noch</a:t>
+            </a:r>
+            <a:r>
+              <a:rPr lang="en-US" sz="4200" dirty="0"/>
+              <a:t> </a:t>
+            </a:r>
+            <a:r>
+              <a:rPr lang="en-US" sz="4200" dirty="0" err="1"/>
+              <a:t>fragen</a:t>
+            </a:r>
+            <a:r>
+              <a:rPr lang="en-US" sz="4200" dirty="0"/>
+              <a:t>?</a:t>
+            </a:r>
+          </a:p>
+        </p:txBody>
+      </p:sp>
+    </p:spTree>
+    <p:extLst>
+      <p:ext uri="{BB962C8B-B14F-4D97-AF65-F5344CB8AC3E}">
+        <p14:creationId xmlns:p14="http://schemas.microsoft.com/office/powerpoint/2010/main" val="1241480173"/>
+      </p:ext>
+    </p:extLst>
+  </p:cSld>
+  <p:clrMapOvr>
+    <a:masterClrMapping/>
+  </p:clrMapOvr>
 </p:sld>
 </file>
 
